--- a/Documentation/fapp.pptx
+++ b/Documentation/fapp.pptx
@@ -1,6 +1,6 @@
 
 <file path=ppt/presentation.xml><?xml version="1.0" encoding="utf-8"?>
-<p:presentation xmlns:a="http://schemas.openxmlformats.org/drawingml/2006/main" xmlns:r="http://schemas.openxmlformats.org/officeDocument/2006/relationships" xmlns:p="http://schemas.openxmlformats.org/presentationml/2006/main" autoCompressPictures="0">
+<p:presentation xmlns:a="http://schemas.openxmlformats.org/drawingml/2006/main" xmlns:r="http://schemas.openxmlformats.org/officeDocument/2006/relationships" xmlns:p="http://schemas.openxmlformats.org/presentationml/2006/main" saveSubsetFonts="1" autoCompressPictures="0">
   <p:sldMasterIdLst>
     <p:sldMasterId id="2147483734" r:id="rId1"/>
   </p:sldMasterIdLst>
@@ -12,8 +12,7 @@
     <p:sldId id="260" r:id="rId6"/>
     <p:sldId id="261" r:id="rId7"/>
     <p:sldId id="262" r:id="rId8"/>
-    <p:sldId id="265" r:id="rId9"/>
-    <p:sldId id="266" r:id="rId10"/>
+    <p:sldId id="266" r:id="rId9"/>
   </p:sldIdLst>
   <p:sldSz cx="12192000" cy="6858000"/>
   <p:notesSz cx="6858000" cy="9144000"/>
@@ -622,7 +621,7 @@
             <a:fld id="{B61BEF0D-F0BB-DE4B-95CE-6DB70DBA9567}" type="datetimeFigureOut">
               <a:rPr lang="en-US" smtClean="0"/>
               <a:pPr/>
-              <a:t>7/17/20</a:t>
+              <a:t>7/23/20</a:t>
             </a:fld>
             <a:endParaRPr lang="en-US" dirty="0"/>
           </a:p>
@@ -802,7 +801,7 @@
           <a:p>
             <a:fld id="{55C6B4A9-1611-4792-9094-5F34BCA07E0B}" type="datetimeFigureOut">
               <a:rPr lang="en-US" smtClean="0"/>
-              <a:t>7/17/20</a:t>
+              <a:t>7/23/20</a:t>
             </a:fld>
             <a:endParaRPr lang="en-US" dirty="0"/>
           </a:p>
@@ -983,7 +982,7 @@
             <a:fld id="{B61BEF0D-F0BB-DE4B-95CE-6DB70DBA9567}" type="datetimeFigureOut">
               <a:rPr lang="en-US" smtClean="0"/>
               <a:pPr/>
-              <a:t>7/17/20</a:t>
+              <a:t>7/23/20</a:t>
             </a:fld>
             <a:endParaRPr lang="en-US" dirty="0"/>
           </a:p>
@@ -1155,7 +1154,7 @@
             <a:fld id="{B61BEF0D-F0BB-DE4B-95CE-6DB70DBA9567}" type="datetimeFigureOut">
               <a:rPr lang="en-US" smtClean="0"/>
               <a:pPr/>
-              <a:t>7/17/20</a:t>
+              <a:t>7/23/20</a:t>
             </a:fld>
             <a:endParaRPr lang="en-US" dirty="0"/>
           </a:p>
@@ -1478,7 +1477,7 @@
             <a:fld id="{B61BEF0D-F0BB-DE4B-95CE-6DB70DBA9567}" type="datetimeFigureOut">
               <a:rPr lang="en-US" smtClean="0"/>
               <a:pPr/>
-              <a:t>7/17/20</a:t>
+              <a:t>7/23/20</a:t>
             </a:fld>
             <a:endParaRPr lang="en-US" dirty="0"/>
           </a:p>
@@ -1939,7 +1938,7 @@
           <a:p>
             <a:fld id="{EB712588-04B1-427B-82EE-E8DB90309F08}" type="datetimeFigureOut">
               <a:rPr lang="en-US" smtClean="0"/>
-              <a:t>7/17/20</a:t>
+              <a:t>7/23/20</a:t>
             </a:fld>
             <a:endParaRPr lang="en-US" dirty="0"/>
           </a:p>
@@ -2351,7 +2350,7 @@
             <a:fld id="{B61BEF0D-F0BB-DE4B-95CE-6DB70DBA9567}" type="datetimeFigureOut">
               <a:rPr lang="en-US" smtClean="0"/>
               <a:pPr/>
-              <a:t>7/17/20</a:t>
+              <a:t>7/23/20</a:t>
             </a:fld>
             <a:endParaRPr lang="en-US" dirty="0"/>
           </a:p>
@@ -2471,7 +2470,7 @@
             <a:fld id="{B61BEF0D-F0BB-DE4B-95CE-6DB70DBA9567}" type="datetimeFigureOut">
               <a:rPr lang="en-US" smtClean="0"/>
               <a:pPr/>
-              <a:t>7/17/20</a:t>
+              <a:t>7/23/20</a:t>
             </a:fld>
             <a:endParaRPr lang="en-US" dirty="0"/>
           </a:p>
@@ -2591,7 +2590,7 @@
             <a:fld id="{B61BEF0D-F0BB-DE4B-95CE-6DB70DBA9567}" type="datetimeFigureOut">
               <a:rPr lang="en-US" smtClean="0"/>
               <a:pPr/>
-              <a:t>7/17/20</a:t>
+              <a:t>7/23/20</a:t>
             </a:fld>
             <a:endParaRPr lang="en-US" dirty="0"/>
           </a:p>
@@ -2950,7 +2949,7 @@
           <a:p>
             <a:fld id="{42A54C80-263E-416B-A8E0-580EDEADCBDC}" type="datetimeFigureOut">
               <a:rPr lang="en-US" smtClean="0"/>
-              <a:t>7/17/20</a:t>
+              <a:t>7/23/20</a:t>
             </a:fld>
             <a:endParaRPr lang="en-US" dirty="0"/>
           </a:p>
@@ -3458,7 +3457,7 @@
             <a:fld id="{B61BEF0D-F0BB-DE4B-95CE-6DB70DBA9567}" type="datetimeFigureOut">
               <a:rPr lang="en-US" smtClean="0"/>
               <a:pPr/>
-              <a:t>7/17/20</a:t>
+              <a:t>7/23/20</a:t>
             </a:fld>
             <a:endParaRPr lang="en-US" dirty="0"/>
           </a:p>
@@ -3815,7 +3814,7 @@
             <a:fld id="{B61BEF0D-F0BB-DE4B-95CE-6DB70DBA9567}" type="datetimeFigureOut">
               <a:rPr lang="en-US" smtClean="0"/>
               <a:pPr/>
-              <a:t>7/17/20</a:t>
+              <a:t>7/23/20</a:t>
             </a:fld>
             <a:endParaRPr lang="en-US" dirty="0"/>
           </a:p>
@@ -4471,7 +4470,7 @@
           <p:cNvPr id="2" name="Title 1">
             <a:extLst>
               <a:ext uri="{FF2B5EF4-FFF2-40B4-BE49-F238E27FC236}">
-                <a16:creationId xmlns:a16="http://schemas.microsoft.com/office/drawing/2014/main" id="{EDC3DC0E-5BCA-694F-81C2-B400F94F3F01}"/>
+                <a16:creationId xmlns:a16="http://schemas.microsoft.com/office/drawing/2014/main" xmlns="" id="{EDC3DC0E-5BCA-694F-81C2-B400F94F3F01}"/>
               </a:ext>
             </a:extLst>
           </p:cNvPr>
@@ -4501,7 +4500,7 @@
           <p:cNvPr id="3" name="Subtitle 2">
             <a:extLst>
               <a:ext uri="{FF2B5EF4-FFF2-40B4-BE49-F238E27FC236}">
-                <a16:creationId xmlns:a16="http://schemas.microsoft.com/office/drawing/2014/main" id="{3E56B47E-2619-C14A-AFF8-D2EF4F724185}"/>
+                <a16:creationId xmlns:a16="http://schemas.microsoft.com/office/drawing/2014/main" xmlns="" id="{3E56B47E-2619-C14A-AFF8-D2EF4F724185}"/>
               </a:ext>
             </a:extLst>
           </p:cNvPr>
@@ -4529,7 +4528,7 @@
           <p:cNvPr id="4" name="TextBox 3">
             <a:extLst>
               <a:ext uri="{FF2B5EF4-FFF2-40B4-BE49-F238E27FC236}">
-                <a16:creationId xmlns:a16="http://schemas.microsoft.com/office/drawing/2014/main" id="{9A291C8A-2200-B64B-837A-3EC13A222E9D}"/>
+                <a16:creationId xmlns:a16="http://schemas.microsoft.com/office/drawing/2014/main" xmlns="" id="{9A291C8A-2200-B64B-837A-3EC13A222E9D}"/>
               </a:ext>
             </a:extLst>
           </p:cNvPr>
@@ -4598,6 +4597,13 @@
   <p:clrMapOvr>
     <a:masterClrMapping/>
   </p:clrMapOvr>
+  <p:timing>
+    <p:tnLst>
+      <p:par>
+        <p:cTn id="1" dur="indefinite" restart="never" nodeType="tmRoot"/>
+      </p:par>
+    </p:tnLst>
+  </p:timing>
 </p:sld>
 </file>
 
@@ -4623,7 +4629,7 @@
           <p:cNvPr id="2" name="Title 1">
             <a:extLst>
               <a:ext uri="{FF2B5EF4-FFF2-40B4-BE49-F238E27FC236}">
-                <a16:creationId xmlns:a16="http://schemas.microsoft.com/office/drawing/2014/main" id="{B40D9F46-BF54-1F40-A7E2-5FE475F46E68}"/>
+                <a16:creationId xmlns:a16="http://schemas.microsoft.com/office/drawing/2014/main" xmlns="" id="{B40D9F46-BF54-1F40-A7E2-5FE475F46E68}"/>
               </a:ext>
             </a:extLst>
           </p:cNvPr>
@@ -4651,7 +4657,7 @@
           <p:cNvPr id="3" name="Content Placeholder 2">
             <a:extLst>
               <a:ext uri="{FF2B5EF4-FFF2-40B4-BE49-F238E27FC236}">
-                <a16:creationId xmlns:a16="http://schemas.microsoft.com/office/drawing/2014/main" id="{2BDDCE3E-0C0F-C54A-87CF-2DB4D33B7784}"/>
+                <a16:creationId xmlns:a16="http://schemas.microsoft.com/office/drawing/2014/main" xmlns="" id="{2BDDCE3E-0C0F-C54A-87CF-2DB4D33B7784}"/>
               </a:ext>
             </a:extLst>
           </p:cNvPr>
@@ -4699,6 +4705,13 @@
   <p:clrMapOvr>
     <a:masterClrMapping/>
   </p:clrMapOvr>
+  <p:timing>
+    <p:tnLst>
+      <p:par>
+        <p:cTn id="1" dur="indefinite" restart="never" nodeType="tmRoot"/>
+      </p:par>
+    </p:tnLst>
+  </p:timing>
 </p:sld>
 </file>
 
@@ -4724,7 +4737,7 @@
           <p:cNvPr id="2" name="Title 1">
             <a:extLst>
               <a:ext uri="{FF2B5EF4-FFF2-40B4-BE49-F238E27FC236}">
-                <a16:creationId xmlns:a16="http://schemas.microsoft.com/office/drawing/2014/main" id="{B40D9F46-BF54-1F40-A7E2-5FE475F46E68}"/>
+                <a16:creationId xmlns:a16="http://schemas.microsoft.com/office/drawing/2014/main" xmlns="" id="{B40D9F46-BF54-1F40-A7E2-5FE475F46E68}"/>
               </a:ext>
             </a:extLst>
           </p:cNvPr>
@@ -4753,7 +4766,7 @@
           <p:cNvPr id="3" name="Content Placeholder 2">
             <a:extLst>
               <a:ext uri="{FF2B5EF4-FFF2-40B4-BE49-F238E27FC236}">
-                <a16:creationId xmlns:a16="http://schemas.microsoft.com/office/drawing/2014/main" id="{2BDDCE3E-0C0F-C54A-87CF-2DB4D33B7784}"/>
+                <a16:creationId xmlns:a16="http://schemas.microsoft.com/office/drawing/2014/main" xmlns="" id="{2BDDCE3E-0C0F-C54A-87CF-2DB4D33B7784}"/>
               </a:ext>
             </a:extLst>
           </p:cNvPr>
@@ -4788,13 +4801,37 @@
           <a:p>
             <a:r>
               <a:rPr lang="en-IN" sz="2000" dirty="0"/>
-              <a:t>User has the options to view the demand and supply either in a generalized way or in a specific way. The demand and supply for 3 main crops is the default view for the user. But he/she can view the same for other staple crops/food products by using the options provided.</a:t>
-            </a:r>
-          </a:p>
-          <a:p>
+              <a:t>User has the options to view the demand and supply either in a generalized way or in a specific way. The demand and supply for </a:t>
+            </a:r>
+            <a:r>
+              <a:rPr lang="en-IN" sz="2000" dirty="0" smtClean="0"/>
+              <a:t>7main </a:t>
+            </a:r>
             <a:r>
               <a:rPr lang="en-IN" sz="2000" dirty="0"/>
-              <a:t>Along with predicting the demand-supply gap, a visualization is provided that connects two areas/regions, specifying the required flow of the goods based on the receiver’s demand requirement and senders surplus availability.</a:t>
+              <a:t>crops is the </a:t>
+            </a:r>
+            <a:r>
+              <a:rPr lang="en-IN" sz="2000" dirty="0" smtClean="0"/>
+              <a:t>available for </a:t>
+            </a:r>
+            <a:r>
+              <a:rPr lang="en-IN" sz="2000" dirty="0"/>
+              <a:t>the user. But he/she can view the same for other staple crops/food products by using the options provided.</a:t>
+            </a:r>
+          </a:p>
+          <a:p>
+            <a:r>
+              <a:rPr lang="en-IN" sz="2000" dirty="0"/>
+              <a:t>Along with predicting the demand-supply gap, a visualization is </a:t>
+            </a:r>
+            <a:r>
+              <a:rPr lang="en-IN" sz="2000" dirty="0" smtClean="0"/>
+              <a:t>provides the </a:t>
+            </a:r>
+            <a:r>
+              <a:rPr lang="en-IN" sz="2000" dirty="0"/>
+              <a:t>required flow of the goods based on the receiver’s demand requirement and senders surplus availability.</a:t>
             </a:r>
           </a:p>
           <a:p>
@@ -4816,6 +4853,13 @@
   <p:clrMapOvr>
     <a:masterClrMapping/>
   </p:clrMapOvr>
+  <p:timing>
+    <p:tnLst>
+      <p:par>
+        <p:cTn id="1" dur="indefinite" restart="never" nodeType="tmRoot"/>
+      </p:par>
+    </p:tnLst>
+  </p:timing>
 </p:sld>
 </file>
 
@@ -4841,7 +4885,7 @@
           <p:cNvPr id="2" name="Title 1">
             <a:extLst>
               <a:ext uri="{FF2B5EF4-FFF2-40B4-BE49-F238E27FC236}">
-                <a16:creationId xmlns:a16="http://schemas.microsoft.com/office/drawing/2014/main" id="{B40D9F46-BF54-1F40-A7E2-5FE475F46E68}"/>
+                <a16:creationId xmlns:a16="http://schemas.microsoft.com/office/drawing/2014/main" xmlns="" id="{B40D9F46-BF54-1F40-A7E2-5FE475F46E68}"/>
               </a:ext>
             </a:extLst>
           </p:cNvPr>
@@ -4870,7 +4914,7 @@
           <p:cNvPr id="3" name="Content Placeholder 2">
             <a:extLst>
               <a:ext uri="{FF2B5EF4-FFF2-40B4-BE49-F238E27FC236}">
-                <a16:creationId xmlns:a16="http://schemas.microsoft.com/office/drawing/2014/main" id="{2BDDCE3E-0C0F-C54A-87CF-2DB4D33B7784}"/>
+                <a16:creationId xmlns:a16="http://schemas.microsoft.com/office/drawing/2014/main" xmlns="" id="{2BDDCE3E-0C0F-C54A-87CF-2DB4D33B7784}"/>
               </a:ext>
             </a:extLst>
           </p:cNvPr>
@@ -4959,7 +5003,7 @@
           <p:cNvPr id="2" name="Title 1">
             <a:extLst>
               <a:ext uri="{FF2B5EF4-FFF2-40B4-BE49-F238E27FC236}">
-                <a16:creationId xmlns:a16="http://schemas.microsoft.com/office/drawing/2014/main" id="{B40D9F46-BF54-1F40-A7E2-5FE475F46E68}"/>
+                <a16:creationId xmlns:a16="http://schemas.microsoft.com/office/drawing/2014/main" xmlns="" id="{B40D9F46-BF54-1F40-A7E2-5FE475F46E68}"/>
               </a:ext>
             </a:extLst>
           </p:cNvPr>
@@ -4988,7 +5032,7 @@
           <p:cNvPr id="3" name="Content Placeholder 2">
             <a:extLst>
               <a:ext uri="{FF2B5EF4-FFF2-40B4-BE49-F238E27FC236}">
-                <a16:creationId xmlns:a16="http://schemas.microsoft.com/office/drawing/2014/main" id="{2BDDCE3E-0C0F-C54A-87CF-2DB4D33B7784}"/>
+                <a16:creationId xmlns:a16="http://schemas.microsoft.com/office/drawing/2014/main" xmlns="" id="{2BDDCE3E-0C0F-C54A-87CF-2DB4D33B7784}"/>
               </a:ext>
             </a:extLst>
           </p:cNvPr>
@@ -5045,7 +5089,15 @@
             </a:br>
             <a:r>
               <a:rPr lang="en-IN" sz="2000" dirty="0"/>
-              <a:t>Machine Learning Models: Random forest Regression, Holt-winters method(Time series analysis)</a:t>
+              <a:t>Machine Learning Models: </a:t>
+            </a:r>
+            <a:r>
+              <a:rPr lang="en-IN" sz="2000" dirty="0" smtClean="0"/>
+              <a:t>Artificial Neural Networks(ANN)</a:t>
+            </a:r>
+            <a:r>
+              <a:rPr lang="en-IN" sz="2000" dirty="0"/>
+              <a:t/>
             </a:r>
             <a:br>
               <a:rPr lang="en-IN" sz="2000" dirty="0"/>
@@ -5093,7 +5145,7 @@
           <p:cNvPr id="2" name="Title 1">
             <a:extLst>
               <a:ext uri="{FF2B5EF4-FFF2-40B4-BE49-F238E27FC236}">
-                <a16:creationId xmlns:a16="http://schemas.microsoft.com/office/drawing/2014/main" id="{B40D9F46-BF54-1F40-A7E2-5FE475F46E68}"/>
+                <a16:creationId xmlns:a16="http://schemas.microsoft.com/office/drawing/2014/main" xmlns="" id="{B40D9F46-BF54-1F40-A7E2-5FE475F46E68}"/>
               </a:ext>
             </a:extLst>
           </p:cNvPr>
@@ -5122,7 +5174,7 @@
           <p:cNvPr id="3" name="Content Placeholder 2">
             <a:extLst>
               <a:ext uri="{FF2B5EF4-FFF2-40B4-BE49-F238E27FC236}">
-                <a16:creationId xmlns:a16="http://schemas.microsoft.com/office/drawing/2014/main" id="{2BDDCE3E-0C0F-C54A-87CF-2DB4D33B7784}"/>
+                <a16:creationId xmlns:a16="http://schemas.microsoft.com/office/drawing/2014/main" xmlns="" id="{2BDDCE3E-0C0F-C54A-87CF-2DB4D33B7784}"/>
               </a:ext>
             </a:extLst>
           </p:cNvPr>
@@ -5226,7 +5278,7 @@
           <p:cNvPr id="2" name="Title 1">
             <a:extLst>
               <a:ext uri="{FF2B5EF4-FFF2-40B4-BE49-F238E27FC236}">
-                <a16:creationId xmlns:a16="http://schemas.microsoft.com/office/drawing/2014/main" id="{B40D9F46-BF54-1F40-A7E2-5FE475F46E68}"/>
+                <a16:creationId xmlns:a16="http://schemas.microsoft.com/office/drawing/2014/main" xmlns="" id="{B40D9F46-BF54-1F40-A7E2-5FE475F46E68}"/>
               </a:ext>
             </a:extLst>
           </p:cNvPr>
@@ -5251,13 +5303,7 @@
       </p:sp>
       <p:pic>
         <p:nvPicPr>
-          <p:cNvPr id="5" name="Content Placeholder 4">
-            <a:extLst>
-              <a:ext uri="{FF2B5EF4-FFF2-40B4-BE49-F238E27FC236}">
-                <a16:creationId xmlns:a16="http://schemas.microsoft.com/office/drawing/2014/main" id="{11E36040-A93C-C44D-A3D5-E047779F43A6}"/>
-              </a:ext>
-            </a:extLst>
-          </p:cNvPr>
+          <p:cNvPr id="4" name="Content Placeholder 3"/>
           <p:cNvPicPr>
             <a:picLocks noGrp="1" noChangeAspect="1"/>
           </p:cNvPicPr>
@@ -5266,15 +5312,21 @@
           </p:nvPr>
         </p:nvPicPr>
         <p:blipFill>
-          <a:blip r:embed="rId2"/>
+          <a:blip r:embed="rId2">
+            <a:extLst>
+              <a:ext uri="{28A0092B-C50C-407E-A947-70E740481C1C}">
+                <a14:useLocalDpi xmlns:a14="http://schemas.microsoft.com/office/drawing/2010/main" val="0"/>
+              </a:ext>
+            </a:extLst>
+          </a:blip>
           <a:stretch>
             <a:fillRect/>
           </a:stretch>
         </p:blipFill>
         <p:spPr>
           <a:xfrm>
-            <a:off x="2273300" y="1690688"/>
-            <a:ext cx="7645400" cy="4089400"/>
+            <a:off x="1450428" y="1702675"/>
+            <a:ext cx="9080938" cy="4729655"/>
           </a:xfrm>
         </p:spPr>
       </p:pic>
@@ -5313,140 +5365,7 @@
           <p:cNvPr id="2" name="Title 1">
             <a:extLst>
               <a:ext uri="{FF2B5EF4-FFF2-40B4-BE49-F238E27FC236}">
-                <a16:creationId xmlns:a16="http://schemas.microsoft.com/office/drawing/2014/main" id="{B40D9F46-BF54-1F40-A7E2-5FE475F46E68}"/>
-              </a:ext>
-            </a:extLst>
-          </p:cNvPr>
-          <p:cNvSpPr>
-            <a:spLocks noGrp="1"/>
-          </p:cNvSpPr>
-          <p:nvPr>
-            <p:ph type="title"/>
-          </p:nvPr>
-        </p:nvSpPr>
-        <p:spPr/>
-        <p:txBody>
-          <a:bodyPr/>
-          <a:lstStyle/>
-          <a:p>
-            <a:r>
-              <a:rPr lang="en-IN" dirty="0"/>
-              <a:t>Scope of Work:</a:t>
-            </a:r>
-            <a:endParaRPr lang="en-US" dirty="0"/>
-          </a:p>
-        </p:txBody>
-      </p:sp>
-      <p:sp>
-        <p:nvSpPr>
-          <p:cNvPr id="3" name="Content Placeholder 2">
-            <a:extLst>
-              <a:ext uri="{FF2B5EF4-FFF2-40B4-BE49-F238E27FC236}">
-                <a16:creationId xmlns:a16="http://schemas.microsoft.com/office/drawing/2014/main" id="{2BDDCE3E-0C0F-C54A-87CF-2DB4D33B7784}"/>
-              </a:ext>
-            </a:extLst>
-          </p:cNvPr>
-          <p:cNvSpPr>
-            <a:spLocks noGrp="1"/>
-          </p:cNvSpPr>
-          <p:nvPr>
-            <p:ph idx="1"/>
-          </p:nvPr>
-        </p:nvSpPr>
-        <p:spPr/>
-        <p:txBody>
-          <a:bodyPr>
-            <a:normAutofit fontScale="85000" lnSpcReduction="10000"/>
-          </a:bodyPr>
-          <a:lstStyle/>
-          <a:p>
-            <a:pPr marL="0" indent="0">
-              <a:buNone/>
-            </a:pPr>
-            <a:r>
-              <a:rPr lang="en-IN" sz="2000" dirty="0"/>
-              <a:t>There are total  modules for the proposed solution:</a:t>
-            </a:r>
-            <a:br>
-              <a:rPr lang="en-IN" sz="2000" dirty="0"/>
-            </a:br>
-            <a:endParaRPr lang="en-IN" sz="2000" dirty="0"/>
-          </a:p>
-          <a:p>
-            <a:r>
-              <a:rPr lang="en-IN" sz="2000" dirty="0"/>
-              <a:t>Data Processing: In this part, we assure that the data is consistent and reliable by removing the redundant values, filling the missing values, and performing the feature scaling to represent the entire data at one scale.</a:t>
-            </a:r>
-          </a:p>
-          <a:p>
-            <a:r>
-              <a:rPr lang="en-IN" sz="2000" dirty="0" err="1"/>
-              <a:t>Crop_Module</a:t>
-            </a:r>
-            <a:r>
-              <a:rPr lang="en-IN" sz="2000" dirty="0"/>
-              <a:t>: This module is for predicting the crop yield production when specified in the required time and area. The data related to crop-yield is considered from data processing and the model is trained using the random forest regression algorithm. by which we can predict the crop yield for the future specified time.</a:t>
-            </a:r>
-          </a:p>
-          <a:p>
-            <a:r>
-              <a:rPr lang="en-IN" sz="2000" dirty="0" err="1"/>
-              <a:t>Demand_Module</a:t>
-            </a:r>
-            <a:r>
-              <a:rPr lang="en-IN" sz="2000" dirty="0"/>
-              <a:t>: This module is for predicting the “Demand” of essential commodities when time and area are specified. The data related to demand(consumption of essential commodities) is considered for training the model with Holts winter method. By which we can predict the crop yield for the future specified time.</a:t>
-            </a:r>
-          </a:p>
-          <a:p>
-            <a:r>
-              <a:rPr lang="en-IN" sz="2000" dirty="0" err="1"/>
-              <a:t>Web_Userinterface</a:t>
-            </a:r>
-            <a:r>
-              <a:rPr lang="en-IN" sz="2000" dirty="0"/>
-              <a:t>: This module is to come up with a dashboard of data visualizations that help the user to understand the demand and supply gaps, identify the patterns in future and current trends. We use google APIs and other tools for visualizing the content for the user.</a:t>
-            </a:r>
-            <a:endParaRPr lang="en-US" sz="2000" dirty="0"/>
-          </a:p>
-        </p:txBody>
-      </p:sp>
-    </p:spTree>
-    <p:extLst>
-      <p:ext uri="{BB962C8B-B14F-4D97-AF65-F5344CB8AC3E}">
-        <p14:creationId xmlns:p14="http://schemas.microsoft.com/office/powerpoint/2010/main" val="2559487920"/>
-      </p:ext>
-    </p:extLst>
-  </p:cSld>
-  <p:clrMapOvr>
-    <a:masterClrMapping/>
-  </p:clrMapOvr>
-</p:sld>
-</file>
-
-<file path=ppt/slides/slide9.xml><?xml version="1.0" encoding="utf-8"?>
-<p:sld xmlns:a="http://schemas.openxmlformats.org/drawingml/2006/main" xmlns:r="http://schemas.openxmlformats.org/officeDocument/2006/relationships" xmlns:p="http://schemas.openxmlformats.org/presentationml/2006/main">
-  <p:cSld>
-    <p:spTree>
-      <p:nvGrpSpPr>
-        <p:cNvPr id="1" name=""/>
-        <p:cNvGrpSpPr/>
-        <p:nvPr/>
-      </p:nvGrpSpPr>
-      <p:grpSpPr>
-        <a:xfrm>
-          <a:off x="0" y="0"/>
-          <a:ext cx="0" cy="0"/>
-          <a:chOff x="0" y="0"/>
-          <a:chExt cx="0" cy="0"/>
-        </a:xfrm>
-      </p:grpSpPr>
-      <p:sp>
-        <p:nvSpPr>
-          <p:cNvPr id="2" name="Title 1">
-            <a:extLst>
-              <a:ext uri="{FF2B5EF4-FFF2-40B4-BE49-F238E27FC236}">
-                <a16:creationId xmlns:a16="http://schemas.microsoft.com/office/drawing/2014/main" id="{542D93CD-C813-E34D-823F-0C785F7B4839}"/>
+                <a16:creationId xmlns:a16="http://schemas.microsoft.com/office/drawing/2014/main" xmlns="" id="{542D93CD-C813-E34D-823F-0C785F7B4839}"/>
               </a:ext>
             </a:extLst>
           </p:cNvPr>
